--- a/BSPLab1_C.pptx
+++ b/BSPLab1_C.pptx
@@ -111,6 +111,11 @@
       </a:defRPr>
     </a:lvl9pPr>
   </p:defaultTextStyle>
+  <p:extLst>
+    <p:ext uri="{EFAFB233-063F-42B5-8137-9DF3F51BA10A}">
+      <p15:sldGuideLst xmlns:p15="http://schemas.microsoft.com/office/powerpoint/2012/main"/>
+    </p:ext>
+  </p:extLst>
 </p:presentation>
 </file>
 
@@ -196,7 +201,7 @@
           <a:p>
             <a:fld id="{26106F7C-54AE-4920-BC5E-F3475443BA10}" type="datetimeFigureOut">
               <a:rPr lang="hu-HU" smtClean="0"/>
-              <a:t>2022. 12. 15.</a:t>
+              <a:t>2022. 12. 16.</a:t>
             </a:fld>
             <a:endParaRPr lang="hu-HU"/>
           </a:p>
@@ -1211,7 +1216,7 @@
           <a:p>
             <a:fld id="{CB5B2F44-0B10-4647-BE07-D6D72BBE5D7F}" type="datetimeFigureOut">
               <a:rPr lang="hu-HU" smtClean="0"/>
-              <a:t>2022. 12. 15.</a:t>
+              <a:t>2022. 12. 16.</a:t>
             </a:fld>
             <a:endParaRPr lang="hu-HU"/>
           </a:p>
@@ -1381,7 +1386,7 @@
           <a:p>
             <a:fld id="{CB5B2F44-0B10-4647-BE07-D6D72BBE5D7F}" type="datetimeFigureOut">
               <a:rPr lang="hu-HU" smtClean="0"/>
-              <a:t>2022. 12. 15.</a:t>
+              <a:t>2022. 12. 16.</a:t>
             </a:fld>
             <a:endParaRPr lang="hu-HU"/>
           </a:p>
@@ -1561,7 +1566,7 @@
           <a:p>
             <a:fld id="{CB5B2F44-0B10-4647-BE07-D6D72BBE5D7F}" type="datetimeFigureOut">
               <a:rPr lang="hu-HU" smtClean="0"/>
-              <a:t>2022. 12. 15.</a:t>
+              <a:t>2022. 12. 16.</a:t>
             </a:fld>
             <a:endParaRPr lang="hu-HU"/>
           </a:p>
@@ -1731,7 +1736,7 @@
           <a:p>
             <a:fld id="{CB5B2F44-0B10-4647-BE07-D6D72BBE5D7F}" type="datetimeFigureOut">
               <a:rPr lang="hu-HU" smtClean="0"/>
-              <a:t>2022. 12. 15.</a:t>
+              <a:t>2022. 12. 16.</a:t>
             </a:fld>
             <a:endParaRPr lang="hu-HU"/>
           </a:p>
@@ -1977,7 +1982,7 @@
           <a:p>
             <a:fld id="{CB5B2F44-0B10-4647-BE07-D6D72BBE5D7F}" type="datetimeFigureOut">
               <a:rPr lang="hu-HU" smtClean="0"/>
-              <a:t>2022. 12. 15.</a:t>
+              <a:t>2022. 12. 16.</a:t>
             </a:fld>
             <a:endParaRPr lang="hu-HU"/>
           </a:p>
@@ -2209,7 +2214,7 @@
           <a:p>
             <a:fld id="{CB5B2F44-0B10-4647-BE07-D6D72BBE5D7F}" type="datetimeFigureOut">
               <a:rPr lang="hu-HU" smtClean="0"/>
-              <a:t>2022. 12. 15.</a:t>
+              <a:t>2022. 12. 16.</a:t>
             </a:fld>
             <a:endParaRPr lang="hu-HU"/>
           </a:p>
@@ -2576,7 +2581,7 @@
           <a:p>
             <a:fld id="{CB5B2F44-0B10-4647-BE07-D6D72BBE5D7F}" type="datetimeFigureOut">
               <a:rPr lang="hu-HU" smtClean="0"/>
-              <a:t>2022. 12. 15.</a:t>
+              <a:t>2022. 12. 16.</a:t>
             </a:fld>
             <a:endParaRPr lang="hu-HU"/>
           </a:p>
@@ -2694,7 +2699,7 @@
           <a:p>
             <a:fld id="{CB5B2F44-0B10-4647-BE07-D6D72BBE5D7F}" type="datetimeFigureOut">
               <a:rPr lang="hu-HU" smtClean="0"/>
-              <a:t>2022. 12. 15.</a:t>
+              <a:t>2022. 12. 16.</a:t>
             </a:fld>
             <a:endParaRPr lang="hu-HU"/>
           </a:p>
@@ -2789,7 +2794,7 @@
           <a:p>
             <a:fld id="{CB5B2F44-0B10-4647-BE07-D6D72BBE5D7F}" type="datetimeFigureOut">
               <a:rPr lang="hu-HU" smtClean="0"/>
-              <a:t>2022. 12. 15.</a:t>
+              <a:t>2022. 12. 16.</a:t>
             </a:fld>
             <a:endParaRPr lang="hu-HU"/>
           </a:p>
@@ -3066,7 +3071,7 @@
           <a:p>
             <a:fld id="{CB5B2F44-0B10-4647-BE07-D6D72BBE5D7F}" type="datetimeFigureOut">
               <a:rPr lang="hu-HU" smtClean="0"/>
-              <a:t>2022. 12. 15.</a:t>
+              <a:t>2022. 12. 16.</a:t>
             </a:fld>
             <a:endParaRPr lang="hu-HU"/>
           </a:p>
@@ -3319,7 +3324,7 @@
           <a:p>
             <a:fld id="{CB5B2F44-0B10-4647-BE07-D6D72BBE5D7F}" type="datetimeFigureOut">
               <a:rPr lang="hu-HU" smtClean="0"/>
-              <a:t>2022. 12. 15.</a:t>
+              <a:t>2022. 12. 16.</a:t>
             </a:fld>
             <a:endParaRPr lang="hu-HU"/>
           </a:p>
@@ -3532,7 +3537,7 @@
           <a:p>
             <a:fld id="{CB5B2F44-0B10-4647-BE07-D6D72BBE5D7F}" type="datetimeFigureOut">
               <a:rPr lang="hu-HU" smtClean="0"/>
-              <a:t>2022. 12. 15.</a:t>
+              <a:t>2022. 12. 16.</a:t>
             </a:fld>
             <a:endParaRPr lang="hu-HU"/>
           </a:p>
@@ -4018,6 +4023,10 @@
             <a:endParaRPr lang="hu-HU" dirty="0" smtClean="0"/>
           </a:p>
           <a:p>
+            <a:r>
+              <a:rPr lang="hu-HU" dirty="0" smtClean="0"/>
+              <a:t>12.16.2022</a:t>
+            </a:r>
             <a:endParaRPr lang="hu-HU" dirty="0"/>
           </a:p>
           <a:p>
@@ -4450,7 +4459,7 @@
         </p:spPr>
         <p:txBody>
           <a:bodyPr vert="horz" lIns="91440" tIns="45720" rIns="91440" bIns="45720" rtlCol="0" anchor="ctr">
-            <a:normAutofit fontScale="90000" lnSpcReduction="20000"/>
+            <a:normAutofit fontScale="82500" lnSpcReduction="20000"/>
           </a:bodyPr>
           <a:lstStyle>
             <a:lvl1pPr algn="l" defTabSz="914400" rtl="0" eaLnBrk="1" latinLnBrk="0" hangingPunct="1">
@@ -4473,8 +4482,8 @@
           </a:lstStyle>
           <a:p>
             <a:r>
-              <a:rPr lang="hu-HU" smtClean="0"/>
-              <a:t>Systole/diastole regions</a:t>
+              <a:rPr lang="hu-HU" dirty="0" err="1" smtClean="0"/>
+              <a:t>Classification</a:t>
             </a:r>
             <a:endParaRPr lang="hu-HU" dirty="0"/>
           </a:p>
